--- a/OpenAI-Functions-Empowering-HR-Onboarding_09082023.pptx
+++ b/OpenAI-Functions-Empowering-HR-Onboarding_09082023.pptx
@@ -1164,7 +1164,7 @@
               <a:ea typeface="Martel Sans" pitchFamily="34" charset="-122"/>
               <a:cs typeface="Martel Sans" pitchFamily="34" charset="-120"/>
             </a:rPr>
-            <a:t>Integration with Different </a:t>
+            <a:t>Integration with Different Data Sources – (Data Sources of different Dept) with </a:t>
           </a:r>
           <a:r>
             <a:rPr lang="en-US" sz="1800" dirty="0" err="1">
@@ -1175,7 +1175,7 @@
               <a:ea typeface="Martel Sans" pitchFamily="34" charset="-122"/>
               <a:cs typeface="Martel Sans" pitchFamily="34" charset="-120"/>
             </a:rPr>
-            <a:t>DataSources</a:t>
+            <a:t>LangChain</a:t>
           </a:r>
           <a:r>
             <a:rPr lang="en-US" sz="1800" dirty="0">
@@ -1186,7 +1186,7 @@
               <a:ea typeface="Martel Sans" pitchFamily="34" charset="-122"/>
               <a:cs typeface="Martel Sans" pitchFamily="34" charset="-120"/>
             </a:rPr>
-            <a:t> – (Data Sources of different Dept).</a:t>
+            <a:t>.</a:t>
           </a:r>
           <a:endParaRPr lang="en-US" sz="1800" dirty="0">
             <a:latin typeface="+mn-lt"/>
@@ -2343,7 +2343,7 @@
               <a:ea typeface="Martel Sans" pitchFamily="34" charset="-122"/>
               <a:cs typeface="Martel Sans" pitchFamily="34" charset="-120"/>
             </a:rPr>
-            <a:t>Integration with Different </a:t>
+            <a:t>Integration with Different Data Sources – (Data Sources of different Dept) with </a:t>
           </a:r>
           <a:r>
             <a:rPr lang="en-US" sz="1800" kern="1200" dirty="0" err="1">
@@ -2354,7 +2354,7 @@
               <a:ea typeface="Martel Sans" pitchFamily="34" charset="-122"/>
               <a:cs typeface="Martel Sans" pitchFamily="34" charset="-120"/>
             </a:rPr>
-            <a:t>DataSources</a:t>
+            <a:t>LangChain</a:t>
           </a:r>
           <a:r>
             <a:rPr lang="en-US" sz="1800" kern="1200" dirty="0">
@@ -2365,7 +2365,7 @@
               <a:ea typeface="Martel Sans" pitchFamily="34" charset="-122"/>
               <a:cs typeface="Martel Sans" pitchFamily="34" charset="-120"/>
             </a:rPr>
-            <a:t> – (Data Sources of different Dept).</a:t>
+            <a:t>.</a:t>
           </a:r>
           <a:endParaRPr lang="en-US" sz="1800" kern="1200" dirty="0">
             <a:latin typeface="+mn-lt"/>
@@ -4574,7 +4574,7 @@
           <a:p>
             <a:fld id="{48A87A34-81AB-432B-8DAE-1953F412C126}" type="datetimeFigureOut">
               <a:rPr lang="en-US" smtClean="0"/>
-              <a:t>9/8/2023</a:t>
+              <a:t>9/10/2023</a:t>
             </a:fld>
             <a:endParaRPr lang="en-US" dirty="0"/>
           </a:p>
@@ -4827,7 +4827,7 @@
             <a:fld id="{48A87A34-81AB-432B-8DAE-1953F412C126}" type="datetimeFigureOut">
               <a:rPr lang="en-US" smtClean="0"/>
               <a:pPr/>
-              <a:t>9/8/2023</a:t>
+              <a:t>9/10/2023</a:t>
             </a:fld>
             <a:endParaRPr lang="en-US" dirty="0"/>
           </a:p>
@@ -5144,7 +5144,7 @@
             <a:fld id="{48A87A34-81AB-432B-8DAE-1953F412C126}" type="datetimeFigureOut">
               <a:rPr lang="en-US" smtClean="0"/>
               <a:pPr/>
-              <a:t>9/8/2023</a:t>
+              <a:t>9/10/2023</a:t>
             </a:fld>
             <a:endParaRPr lang="en-US" dirty="0"/>
           </a:p>
@@ -5480,7 +5480,7 @@
             <a:fld id="{48A87A34-81AB-432B-8DAE-1953F412C126}" type="datetimeFigureOut">
               <a:rPr lang="en-US" smtClean="0"/>
               <a:pPr/>
-              <a:t>9/8/2023</a:t>
+              <a:t>9/10/2023</a:t>
             </a:fld>
             <a:endParaRPr lang="en-US" dirty="0"/>
           </a:p>
@@ -5797,7 +5797,7 @@
             <a:fld id="{48A87A34-81AB-432B-8DAE-1953F412C126}" type="datetimeFigureOut">
               <a:rPr lang="en-US" smtClean="0"/>
               <a:pPr/>
-              <a:t>9/8/2023</a:t>
+              <a:t>9/10/2023</a:t>
             </a:fld>
             <a:endParaRPr lang="en-US" dirty="0"/>
           </a:p>
@@ -6193,7 +6193,7 @@
             <a:fld id="{48A87A34-81AB-432B-8DAE-1953F412C126}" type="datetimeFigureOut">
               <a:rPr lang="en-US" smtClean="0"/>
               <a:pPr/>
-              <a:t>9/8/2023</a:t>
+              <a:t>9/10/2023</a:t>
             </a:fld>
             <a:endParaRPr lang="en-US" dirty="0"/>
           </a:p>
@@ -6365,7 +6365,7 @@
           <a:p>
             <a:fld id="{48A87A34-81AB-432B-8DAE-1953F412C126}" type="datetimeFigureOut">
               <a:rPr lang="en-US" smtClean="0"/>
-              <a:t>9/8/2023</a:t>
+              <a:t>9/10/2023</a:t>
             </a:fld>
             <a:endParaRPr lang="en-US" dirty="0"/>
           </a:p>
@@ -6546,7 +6546,7 @@
           <a:p>
             <a:fld id="{48A87A34-81AB-432B-8DAE-1953F412C126}" type="datetimeFigureOut">
               <a:rPr lang="en-US" smtClean="0"/>
-              <a:t>9/8/2023</a:t>
+              <a:t>9/10/2023</a:t>
             </a:fld>
             <a:endParaRPr lang="en-US" dirty="0"/>
           </a:p>
@@ -6752,7 +6752,7 @@
           <a:p>
             <a:fld id="{48A87A34-81AB-432B-8DAE-1953F412C126}" type="datetimeFigureOut">
               <a:rPr lang="en-US" smtClean="0"/>
-              <a:t>9/8/2023</a:t>
+              <a:t>9/10/2023</a:t>
             </a:fld>
             <a:endParaRPr lang="en-US" dirty="0"/>
           </a:p>
@@ -7000,7 +7000,7 @@
           <a:p>
             <a:fld id="{48A87A34-81AB-432B-8DAE-1953F412C126}" type="datetimeFigureOut">
               <a:rPr lang="en-US" smtClean="0"/>
-              <a:t>9/8/2023</a:t>
+              <a:t>9/10/2023</a:t>
             </a:fld>
             <a:endParaRPr lang="en-US" dirty="0"/>
           </a:p>
@@ -7233,7 +7233,7 @@
           <a:p>
             <a:fld id="{48A87A34-81AB-432B-8DAE-1953F412C126}" type="datetimeFigureOut">
               <a:rPr lang="en-US" smtClean="0"/>
-              <a:t>9/8/2023</a:t>
+              <a:t>9/10/2023</a:t>
             </a:fld>
             <a:endParaRPr lang="en-US" dirty="0"/>
           </a:p>
@@ -7608,7 +7608,7 @@
           <a:p>
             <a:fld id="{48A87A34-81AB-432B-8DAE-1953F412C126}" type="datetimeFigureOut">
               <a:rPr lang="en-US" smtClean="0"/>
-              <a:t>9/8/2023</a:t>
+              <a:t>9/10/2023</a:t>
             </a:fld>
             <a:endParaRPr lang="en-US" dirty="0"/>
           </a:p>
@@ -7732,7 +7732,7 @@
           <a:p>
             <a:fld id="{48A87A34-81AB-432B-8DAE-1953F412C126}" type="datetimeFigureOut">
               <a:rPr lang="en-US" smtClean="0"/>
-              <a:t>9/8/2023</a:t>
+              <a:t>9/10/2023</a:t>
             </a:fld>
             <a:endParaRPr lang="en-US" dirty="0"/>
           </a:p>
@@ -7828,7 +7828,7 @@
           <a:p>
             <a:fld id="{854B3D3E-7C7B-4F3A-9F8D-C0EA0A759CA0}" type="datetimeFigureOut">
               <a:rPr lang="en-US" smtClean="0"/>
-              <a:t>9/8/2023</a:t>
+              <a:t>9/10/2023</a:t>
             </a:fld>
             <a:endParaRPr lang="en-US"/>
           </a:p>
@@ -8083,7 +8083,7 @@
           <a:p>
             <a:fld id="{48A87A34-81AB-432B-8DAE-1953F412C126}" type="datetimeFigureOut">
               <a:rPr lang="en-US" smtClean="0"/>
-              <a:t>9/8/2023</a:t>
+              <a:t>9/10/2023</a:t>
             </a:fld>
             <a:endParaRPr lang="en-US" dirty="0"/>
           </a:p>
@@ -8390,7 +8390,7 @@
             <a:fld id="{48A87A34-81AB-432B-8DAE-1953F412C126}" type="datetimeFigureOut">
               <a:rPr lang="en-US" smtClean="0"/>
               <a:pPr/>
-              <a:t>9/8/2023</a:t>
+              <a:t>9/10/2023</a:t>
             </a:fld>
             <a:endParaRPr lang="en-US" dirty="0"/>
           </a:p>
@@ -9094,7 +9094,7 @@
             <a:fld id="{48A87A34-81AB-432B-8DAE-1953F412C126}" type="datetimeFigureOut">
               <a:rPr lang="en-US" smtClean="0"/>
               <a:pPr/>
-              <a:t>9/8/2023</a:t>
+              <a:t>9/10/2023</a:t>
             </a:fld>
             <a:endParaRPr lang="en-US" dirty="0"/>
           </a:p>
@@ -9766,8 +9766,8 @@
         </p:nvSpPr>
         <p:spPr>
           <a:xfrm>
-            <a:off x="31522" y="7630527"/>
-            <a:ext cx="5423338" cy="369332"/>
+            <a:off x="31522" y="7513474"/>
+            <a:ext cx="11701132" cy="646331"/>
           </a:xfrm>
           <a:prstGeom prst="rect">
             <a:avLst/>
@@ -9788,6 +9788,47 @@
               </a:rPr>
               <a:t>By Amit Mishra, Amit Basnak, Himani Singh</a:t>
             </a:r>
+          </a:p>
+          <a:p>
+            <a:r>
+              <a:rPr lang="en-US" b="1" dirty="0" err="1">
+                <a:solidFill>
+                  <a:schemeClr val="bg1"/>
+                </a:solidFill>
+              </a:rPr>
+              <a:t>Github</a:t>
+            </a:r>
+            <a:r>
+              <a:rPr lang="en-US" b="1" dirty="0">
+                <a:solidFill>
+                  <a:schemeClr val="bg1"/>
+                </a:solidFill>
+              </a:rPr>
+              <a:t> Link: </a:t>
+            </a:r>
+            <a:r>
+              <a:rPr lang="en-US" dirty="0">
+                <a:hlinkClick r:id="rId3"/>
+              </a:rPr>
+              <a:t>amitmishra0404/</a:t>
+            </a:r>
+            <a:r>
+              <a:rPr lang="en-US" dirty="0" err="1">
+                <a:hlinkClick r:id="rId3"/>
+              </a:rPr>
+              <a:t>BuddyEmployee</a:t>
+            </a:r>
+            <a:r>
+              <a:rPr lang="en-US" dirty="0">
+                <a:hlinkClick r:id="rId3"/>
+              </a:rPr>
+              <a:t> (github.com)</a:t>
+            </a:r>
+            <a:endParaRPr lang="en-US" b="1" dirty="0">
+              <a:solidFill>
+                <a:schemeClr val="bg1"/>
+              </a:solidFill>
+            </a:endParaRPr>
           </a:p>
         </p:txBody>
       </p:sp>
@@ -10143,7 +10184,27 @@
                 <a:ea typeface="Kanit" pitchFamily="34" charset="-122"/>
                 <a:cs typeface="Kanit" pitchFamily="34" charset="-120"/>
               </a:rPr>
-              <a:t>GPT-3.5 turbo – (Base Model)</a:t>
+              <a:t>GPT-3.5 turbo – (</a:t>
+            </a:r>
+            <a:r>
+              <a:rPr lang="en-US" sz="2800" dirty="0" err="1">
+                <a:solidFill>
+                  <a:srgbClr val="2C3249"/>
+                </a:solidFill>
+                <a:ea typeface="Kanit" pitchFamily="34" charset="-122"/>
+                <a:cs typeface="Kanit" pitchFamily="34" charset="-120"/>
+              </a:rPr>
+              <a:t>ChatGpt</a:t>
+            </a:r>
+            <a:r>
+              <a:rPr lang="en-US" sz="2800" dirty="0">
+                <a:solidFill>
+                  <a:srgbClr val="2C3249"/>
+                </a:solidFill>
+                <a:ea typeface="Kanit" pitchFamily="34" charset="-122"/>
+                <a:cs typeface="Kanit" pitchFamily="34" charset="-120"/>
+              </a:rPr>
+              <a:t> Model)</a:t>
             </a:r>
           </a:p>
           <a:p>
@@ -10167,25 +10228,7 @@
                 </a:solidFill>
                 <a:ea typeface="Kanit" pitchFamily="34" charset="-122"/>
               </a:rPr>
-              <a:t> </a:t>
-            </a:r>
-            <a:r>
-              <a:rPr lang="en-US" sz="2800">
-                <a:solidFill>
-                  <a:srgbClr val="2C3249"/>
-                </a:solidFill>
-                <a:ea typeface="Kanit" pitchFamily="34" charset="-122"/>
-              </a:rPr>
-              <a:t>– (Backend</a:t>
-            </a:r>
-            <a:r>
-              <a:rPr lang="en-US" sz="2800" dirty="0">
-                <a:solidFill>
-                  <a:srgbClr val="2C3249"/>
-                </a:solidFill>
-                <a:ea typeface="Kanit" pitchFamily="34" charset="-122"/>
-              </a:rPr>
-              <a:t>)</a:t>
+              <a:t> – (Backend)</a:t>
             </a:r>
           </a:p>
           <a:p>
@@ -10209,7 +10252,7 @@
                 </a:solidFill>
                 <a:ea typeface="Kanit" pitchFamily="34" charset="-122"/>
               </a:rPr>
-              <a:t> – (user interface</a:t>
+              <a:t> – (user interface)</a:t>
             </a:r>
             <a:endParaRPr lang="en-US" sz="2800" dirty="0"/>
           </a:p>
@@ -10989,7 +11032,7 @@
           <p:nvPr>
             <p:extLst>
               <p:ext uri="{D42A27DB-BD31-4B8C-83A1-F6EECF244321}">
-                <p14:modId xmlns:p14="http://schemas.microsoft.com/office/powerpoint/2010/main" val="2038493261"/>
+                <p14:modId xmlns:p14="http://schemas.microsoft.com/office/powerpoint/2010/main" val="951641145"/>
               </p:ext>
             </p:extLst>
           </p:nvPr>
